--- a/week1/Dissertation_1.pptx
+++ b/week1/Dissertation_1.pptx
@@ -5,13 +5,14 @@
     <p:sldMasterId id="2147483648" r:id="rId1"/>
   </p:sldMasterIdLst>
   <p:notesMasterIdLst>
-    <p:notesMasterId r:id="rId6"/>
+    <p:notesMasterId r:id="rId7"/>
   </p:notesMasterIdLst>
   <p:sldIdLst>
     <p:sldId id="260" r:id="rId2"/>
     <p:sldId id="273" r:id="rId3"/>
-    <p:sldId id="274" r:id="rId4"/>
-    <p:sldId id="275" r:id="rId5"/>
+    <p:sldId id="276" r:id="rId4"/>
+    <p:sldId id="274" r:id="rId5"/>
+    <p:sldId id="275" r:id="rId6"/>
   </p:sldIdLst>
   <p:sldSz cx="12192000" cy="6858000"/>
   <p:notesSz cx="6858000" cy="9144000"/>
@@ -200,7 +201,7 @@
           <a:p>
             <a:fld id="{5551B73A-00A5-41F0-AD1E-E8BC06CD57C4}" type="datetimeFigureOut">
               <a:rPr lang="zh-CN" altLang="en-US" smtClean="0"/>
-              <a:t>2023/6/4</a:t>
+              <a:t>2023/6/5</a:t>
             </a:fld>
             <a:endParaRPr lang="zh-CN" altLang="en-US"/>
           </a:p>
@@ -614,7 +615,7 @@
           <a:p>
             <a:fld id="{2737B94B-463C-4A10-B31F-5D6631A642E2}" type="datetimeFigureOut">
               <a:rPr lang="zh-CN" altLang="en-US" smtClean="0"/>
-              <a:t>2023/6/4</a:t>
+              <a:t>2023/6/5</a:t>
             </a:fld>
             <a:endParaRPr lang="zh-CN" altLang="en-US"/>
           </a:p>
@@ -812,7 +813,7 @@
           <a:p>
             <a:fld id="{2737B94B-463C-4A10-B31F-5D6631A642E2}" type="datetimeFigureOut">
               <a:rPr lang="zh-CN" altLang="en-US" smtClean="0"/>
-              <a:t>2023/6/4</a:t>
+              <a:t>2023/6/5</a:t>
             </a:fld>
             <a:endParaRPr lang="zh-CN" altLang="en-US"/>
           </a:p>
@@ -1020,7 +1021,7 @@
           <a:p>
             <a:fld id="{2737B94B-463C-4A10-B31F-5D6631A642E2}" type="datetimeFigureOut">
               <a:rPr lang="zh-CN" altLang="en-US" smtClean="0"/>
-              <a:t>2023/6/4</a:t>
+              <a:t>2023/6/5</a:t>
             </a:fld>
             <a:endParaRPr lang="zh-CN" altLang="en-US"/>
           </a:p>
@@ -1614,7 +1615,7 @@
           <a:p>
             <a:fld id="{2737B94B-463C-4A10-B31F-5D6631A642E2}" type="datetimeFigureOut">
               <a:rPr lang="zh-CN" altLang="en-US" smtClean="0"/>
-              <a:t>2023/6/4</a:t>
+              <a:t>2023/6/5</a:t>
             </a:fld>
             <a:endParaRPr lang="zh-CN" altLang="en-US"/>
           </a:p>
@@ -1889,7 +1890,7 @@
           <a:p>
             <a:fld id="{2737B94B-463C-4A10-B31F-5D6631A642E2}" type="datetimeFigureOut">
               <a:rPr lang="zh-CN" altLang="en-US" smtClean="0"/>
-              <a:t>2023/6/4</a:t>
+              <a:t>2023/6/5</a:t>
             </a:fld>
             <a:endParaRPr lang="zh-CN" altLang="en-US"/>
           </a:p>
@@ -2154,7 +2155,7 @@
           <a:p>
             <a:fld id="{2737B94B-463C-4A10-B31F-5D6631A642E2}" type="datetimeFigureOut">
               <a:rPr lang="zh-CN" altLang="en-US" smtClean="0"/>
-              <a:t>2023/6/4</a:t>
+              <a:t>2023/6/5</a:t>
             </a:fld>
             <a:endParaRPr lang="zh-CN" altLang="en-US"/>
           </a:p>
@@ -2566,7 +2567,7 @@
           <a:p>
             <a:fld id="{2737B94B-463C-4A10-B31F-5D6631A642E2}" type="datetimeFigureOut">
               <a:rPr lang="zh-CN" altLang="en-US" smtClean="0"/>
-              <a:t>2023/6/4</a:t>
+              <a:t>2023/6/5</a:t>
             </a:fld>
             <a:endParaRPr lang="zh-CN" altLang="en-US"/>
           </a:p>
@@ -2707,7 +2708,7 @@
           <a:p>
             <a:fld id="{2737B94B-463C-4A10-B31F-5D6631A642E2}" type="datetimeFigureOut">
               <a:rPr lang="zh-CN" altLang="en-US" smtClean="0"/>
-              <a:t>2023/6/4</a:t>
+              <a:t>2023/6/5</a:t>
             </a:fld>
             <a:endParaRPr lang="zh-CN" altLang="en-US"/>
           </a:p>
@@ -2820,7 +2821,7 @@
           <a:p>
             <a:fld id="{2737B94B-463C-4A10-B31F-5D6631A642E2}" type="datetimeFigureOut">
               <a:rPr lang="zh-CN" altLang="en-US" smtClean="0"/>
-              <a:t>2023/6/4</a:t>
+              <a:t>2023/6/5</a:t>
             </a:fld>
             <a:endParaRPr lang="zh-CN" altLang="en-US"/>
           </a:p>
@@ -3131,7 +3132,7 @@
           <a:p>
             <a:fld id="{2737B94B-463C-4A10-B31F-5D6631A642E2}" type="datetimeFigureOut">
               <a:rPr lang="zh-CN" altLang="en-US" smtClean="0"/>
-              <a:t>2023/6/4</a:t>
+              <a:t>2023/6/5</a:t>
             </a:fld>
             <a:endParaRPr lang="zh-CN" altLang="en-US"/>
           </a:p>
@@ -3419,7 +3420,7 @@
           <a:p>
             <a:fld id="{2737B94B-463C-4A10-B31F-5D6631A642E2}" type="datetimeFigureOut">
               <a:rPr lang="zh-CN" altLang="en-US" smtClean="0"/>
-              <a:t>2023/6/4</a:t>
+              <a:t>2023/6/5</a:t>
             </a:fld>
             <a:endParaRPr lang="zh-CN" altLang="en-US"/>
           </a:p>
@@ -3660,7 +3661,7 @@
           <a:p>
             <a:fld id="{2737B94B-463C-4A10-B31F-5D6631A642E2}" type="datetimeFigureOut">
               <a:rPr lang="zh-CN" altLang="en-US" smtClean="0"/>
-              <a:t>2023/6/4</a:t>
+              <a:t>2023/6/5</a:t>
             </a:fld>
             <a:endParaRPr lang="zh-CN" altLang="en-US"/>
           </a:p>
@@ -4245,18 +4246,68 @@
         <p:spPr>
           <a:xfrm>
             <a:off x="239333" y="1206376"/>
-            <a:ext cx="10515600" cy="5175374"/>
+            <a:ext cx="10515600" cy="5561472"/>
           </a:xfrm>
         </p:spPr>
         <p:txBody>
           <a:bodyPr>
-            <a:normAutofit lnSpcReduction="10000"/>
+            <a:normAutofit fontScale="92500" lnSpcReduction="10000"/>
           </a:bodyPr>
           <a:lstStyle/>
           <a:p>
             <a:r>
               <a:rPr lang="en-US" altLang="zh-CN" dirty="0"/>
-              <a:t>Baselines Decision</a:t>
+              <a:t>Dataset Decision</a:t>
+            </a:r>
+          </a:p>
+          <a:p>
+            <a:pPr lvl="1"/>
+            <a:r>
+              <a:rPr lang="en-US" altLang="zh-CN" sz="2000" dirty="0" err="1"/>
+              <a:t>Retailrocket</a:t>
+            </a:r>
+            <a:endParaRPr lang="en-US" altLang="zh-CN" sz="2000" dirty="0"/>
+          </a:p>
+          <a:p>
+            <a:pPr lvl="1"/>
+            <a:r>
+              <a:rPr lang="en-US" altLang="zh-CN" sz="2000" dirty="0"/>
+              <a:t>ml-1m</a:t>
+            </a:r>
+          </a:p>
+          <a:p>
+            <a:r>
+              <a:rPr lang="en-US" altLang="zh-CN" dirty="0"/>
+              <a:t>Dataset split strategy</a:t>
+            </a:r>
+          </a:p>
+          <a:p>
+            <a:pPr lvl="1"/>
+            <a:r>
+              <a:rPr lang="en-US" altLang="zh-CN" sz="2100" dirty="0"/>
+              <a:t>Item split – </a:t>
+            </a:r>
+            <a:r>
+              <a:rPr lang="en-US" altLang="zh-CN" sz="2100" dirty="0" err="1"/>
+              <a:t>SASRec</a:t>
+            </a:r>
+            <a:r>
+              <a:rPr lang="en-US" altLang="zh-CN" sz="2100" dirty="0"/>
+              <a:t> (Could not be used in window-based predictor)</a:t>
+            </a:r>
+          </a:p>
+          <a:p>
+            <a:pPr lvl="1"/>
+            <a:r>
+              <a:rPr lang="en-US" altLang="zh-CN" sz="2100" dirty="0"/>
+              <a:t>Temporal Global split – GRU4Rec (More suitable for window predictor)</a:t>
+            </a:r>
+            <a:endParaRPr lang="en-US" altLang="zh-CN" sz="2000" dirty="0"/>
+          </a:p>
+          <a:p>
+            <a:r>
+              <a:rPr lang="en-US" altLang="zh-CN" dirty="0"/>
+              <a:t>Baselines</a:t>
             </a:r>
           </a:p>
           <a:p>
@@ -4286,24 +4337,54 @@
             </a:r>
           </a:p>
           <a:p>
+            <a:pPr lvl="1"/>
+            <a:r>
+              <a:rPr lang="en-US" altLang="zh-CN" sz="2000" dirty="0"/>
+              <a:t>GRU4Rec (Does not implement)</a:t>
+            </a:r>
+          </a:p>
+          <a:p>
             <a:r>
               <a:rPr lang="en-US" altLang="zh-CN" dirty="0"/>
-              <a:t>Dataset Decision</a:t>
+              <a:t>Loss function (not decided)</a:t>
             </a:r>
           </a:p>
           <a:p>
             <a:pPr lvl="1"/>
             <a:r>
+              <a:rPr lang="en-US" altLang="zh-CN" sz="2000" dirty="0"/>
+              <a:t>We just list some loss functions that can be used.</a:t>
+            </a:r>
+          </a:p>
+          <a:p>
+            <a:pPr lvl="1"/>
+            <a:r>
+              <a:rPr lang="en-US" altLang="zh-CN" sz="2000" dirty="0"/>
+              <a:t>Top-1 and BPR(GRU4Rec); </a:t>
+            </a:r>
+            <a:r>
               <a:rPr lang="en-US" altLang="zh-CN" sz="2000" dirty="0" err="1"/>
-              <a:t>Retailrocket</a:t>
-            </a:r>
-            <a:endParaRPr lang="en-US" altLang="zh-CN" sz="2000" dirty="0"/>
-          </a:p>
-          <a:p>
-            <a:pPr lvl="1"/>
+              <a:t>SASRec</a:t>
+            </a:r>
             <a:r>
               <a:rPr lang="en-US" altLang="zh-CN" sz="2000" dirty="0"/>
-              <a:t>ml-1m</a:t>
+              <a:t> (cross entropy); </a:t>
+            </a:r>
+            <a:r>
+              <a:rPr lang="en-US" altLang="zh-CN" sz="2000" dirty="0" err="1"/>
+              <a:t>LogQ</a:t>
+            </a:r>
+            <a:r>
+              <a:rPr lang="en-US" altLang="zh-CN" sz="2000" dirty="0"/>
+              <a:t> correction (</a:t>
+            </a:r>
+            <a:r>
+              <a:rPr lang="en-US" altLang="zh-CN" sz="2000" dirty="0" err="1"/>
+              <a:t>Pinnerformer</a:t>
+            </a:r>
+            <a:r>
+              <a:rPr lang="en-US" altLang="zh-CN" sz="2000" dirty="0"/>
+              <a:t>)</a:t>
             </a:r>
           </a:p>
           <a:p>
@@ -4315,12 +4396,8 @@
           <a:p>
             <a:pPr lvl="1"/>
             <a:r>
-              <a:rPr lang="en-US" altLang="zh-CN" sz="2000" dirty="0" err="1"/>
-              <a:t>Ipp</a:t>
-            </a:r>
-            <a:r>
               <a:rPr lang="en-US" altLang="zh-CN" sz="2000" dirty="0"/>
-              <a:t> mentioned four metrics (</a:t>
+              <a:t>IPP mentioned four metrics (</a:t>
             </a:r>
             <a:r>
               <a:rPr lang="en-US" altLang="zh-CN" sz="2000" dirty="0" err="1"/>
@@ -4358,7 +4435,11 @@
           <a:p>
             <a:pPr lvl="1"/>
             <a:r>
-              <a:rPr lang="en-US" altLang="zh-CN" sz="2000" dirty="0" err="1"/>
+              <a:rPr lang="en-US" altLang="zh-CN" sz="2000" dirty="0" err="1">
+                <a:solidFill>
+                  <a:schemeClr val="accent1"/>
+                </a:solidFill>
+              </a:rPr>
               <a:t>R@k</a:t>
             </a:r>
             <a:r>
@@ -4371,63 +4452,28 @@
             </a:r>
             <a:r>
               <a:rPr lang="en-US" altLang="zh-CN" sz="2000" dirty="0"/>
-              <a:t> (diversity of interest)</a:t>
-            </a:r>
-          </a:p>
-          <a:p>
-            <a:r>
-              <a:rPr lang="en-US" altLang="zh-CN" dirty="0"/>
-              <a:t>Loss function (not decided)</a:t>
-            </a:r>
-          </a:p>
-          <a:p>
-            <a:pPr lvl="1"/>
+              <a:t>, </a:t>
+            </a:r>
+            <a:r>
+              <a:rPr lang="en-US" altLang="zh-CN" sz="2000" dirty="0">
+                <a:solidFill>
+                  <a:schemeClr val="accent1"/>
+                </a:solidFill>
+              </a:rPr>
+              <a:t>P90 </a:t>
+            </a:r>
+            <a:r>
+              <a:rPr lang="en-US" altLang="zh-CN" sz="2000" dirty="0" err="1">
+                <a:solidFill>
+                  <a:schemeClr val="accent1"/>
+                </a:solidFill>
+              </a:rPr>
+              <a:t>coverage@k</a:t>
+            </a:r>
             <a:r>
               <a:rPr lang="en-US" altLang="zh-CN" sz="2000" dirty="0"/>
-              <a:t>We just list some loss functions that can be used.</a:t>
-            </a:r>
-          </a:p>
-          <a:p>
-            <a:r>
-              <a:rPr lang="en-US" altLang="zh-CN" dirty="0"/>
-              <a:t>Dataset split strategy</a:t>
-            </a:r>
-          </a:p>
-          <a:p>
-            <a:pPr lvl="1"/>
-            <a:r>
-              <a:rPr lang="en-US" altLang="zh-CN" dirty="0"/>
-              <a:t>Item split – </a:t>
-            </a:r>
-            <a:r>
-              <a:rPr lang="en-US" altLang="zh-CN" dirty="0" err="1"/>
-              <a:t>SASRec</a:t>
-            </a:r>
-            <a:r>
-              <a:rPr lang="en-US" altLang="zh-CN" dirty="0"/>
-              <a:t> (Could not be used in window-based predictor)</a:t>
-            </a:r>
-          </a:p>
-          <a:p>
-            <a:pPr lvl="1"/>
-            <a:r>
-              <a:rPr lang="en-US" altLang="zh-CN" dirty="0"/>
-              <a:t>Temporal split – More suitable (</a:t>
-            </a:r>
-            <a:r>
-              <a:rPr lang="en-US" altLang="zh-CN" dirty="0" err="1"/>
-              <a:t>Choosed</a:t>
-            </a:r>
-            <a:r>
-              <a:rPr lang="en-US" altLang="zh-CN" dirty="0"/>
-              <a:t> in window-based predictor)</a:t>
-            </a:r>
-          </a:p>
-          <a:p>
-            <a:pPr lvl="1"/>
-            <a:endParaRPr lang="en-US" altLang="zh-CN" dirty="0"/>
-          </a:p>
-          <a:p>
+              <a:t>(diversity of interest)</a:t>
+            </a:r>
             <a:endParaRPr lang="en-US" altLang="zh-CN" dirty="0"/>
           </a:p>
           <a:p>
@@ -4466,12 +4512,213 @@
           <a:chExt cx="0" cy="0"/>
         </a:xfrm>
       </p:grpSpPr>
+      <p:sp>
+        <p:nvSpPr>
+          <p:cNvPr id="2" name="标题 1">
+            <a:extLst>
+              <a:ext uri="{FF2B5EF4-FFF2-40B4-BE49-F238E27FC236}">
+                <a16:creationId xmlns:a16="http://schemas.microsoft.com/office/drawing/2014/main" id="{8CB0BEDD-BACE-C402-E5B3-E7DBD84C11B8}"/>
+              </a:ext>
+            </a:extLst>
+          </p:cNvPr>
+          <p:cNvSpPr>
+            <a:spLocks noGrp="1"/>
+          </p:cNvSpPr>
+          <p:nvPr>
+            <p:ph type="title"/>
+          </p:nvPr>
+        </p:nvSpPr>
+        <p:spPr>
+          <a:xfrm>
+            <a:off x="239333" y="0"/>
+            <a:ext cx="10515600" cy="1325563"/>
+          </a:xfrm>
+        </p:spPr>
+        <p:txBody>
+          <a:bodyPr/>
+          <a:lstStyle/>
+          <a:p>
+            <a:r>
+              <a:rPr lang="en-US" altLang="zh-CN" dirty="0"/>
+              <a:t>Detailed about Window-based predictor</a:t>
+            </a:r>
+            <a:endParaRPr lang="zh-CN" altLang="en-US" dirty="0"/>
+          </a:p>
+        </p:txBody>
+      </p:sp>
+      <p:sp>
+        <p:nvSpPr>
+          <p:cNvPr id="4" name="文本占位符 3">
+            <a:extLst>
+              <a:ext uri="{FF2B5EF4-FFF2-40B4-BE49-F238E27FC236}">
+                <a16:creationId xmlns:a16="http://schemas.microsoft.com/office/drawing/2014/main" id="{E6059D6D-BCD7-AC7A-7937-3C64DE94BD35}"/>
+              </a:ext>
+            </a:extLst>
+          </p:cNvPr>
+          <p:cNvSpPr>
+            <a:spLocks noGrp="1"/>
+          </p:cNvSpPr>
+          <p:nvPr>
+            <p:ph type="body" idx="1"/>
+          </p:nvPr>
+        </p:nvSpPr>
+        <p:spPr>
+          <a:xfrm>
+            <a:off x="239333" y="1206376"/>
+            <a:ext cx="10515600" cy="5561472"/>
+          </a:xfrm>
+        </p:spPr>
+        <p:txBody>
+          <a:bodyPr>
+            <a:normAutofit/>
+          </a:bodyPr>
+          <a:lstStyle/>
+          <a:p>
+            <a:r>
+              <a:rPr lang="en-US" altLang="zh-CN" dirty="0"/>
+              <a:t>Training progress</a:t>
+            </a:r>
+          </a:p>
+          <a:p>
+            <a:pPr lvl="1"/>
+            <a:r>
+              <a:rPr lang="en-US" altLang="zh-CN" sz="2000" dirty="0"/>
+              <a:t>Negative sampling: Uniform sampling (</a:t>
+            </a:r>
+            <a:r>
+              <a:rPr lang="en-US" altLang="zh-CN" sz="2000" dirty="0" err="1"/>
+              <a:t>SASRec</a:t>
+            </a:r>
+            <a:r>
+              <a:rPr lang="en-US" altLang="zh-CN" sz="2000" dirty="0"/>
+              <a:t>); Popularity-based sampling (GRU4Rec); </a:t>
+            </a:r>
+            <a:r>
+              <a:rPr lang="en-US" altLang="zh-CN" sz="2000" dirty="0">
+                <a:solidFill>
+                  <a:schemeClr val="accent1"/>
+                </a:solidFill>
+              </a:rPr>
+              <a:t>Merging these two (</a:t>
+            </a:r>
+            <a:r>
+              <a:rPr lang="en-US" altLang="zh-CN" sz="2000" dirty="0" err="1">
+                <a:solidFill>
+                  <a:schemeClr val="accent1"/>
+                </a:solidFill>
+              </a:rPr>
+              <a:t>PinnerFormer</a:t>
+            </a:r>
+            <a:r>
+              <a:rPr lang="en-US" altLang="zh-CN" sz="2000" dirty="0">
+                <a:solidFill>
+                  <a:schemeClr val="accent1"/>
+                </a:solidFill>
+              </a:rPr>
+              <a:t>)</a:t>
+            </a:r>
+          </a:p>
+          <a:p>
+            <a:pPr lvl="1"/>
+            <a:r>
+              <a:rPr lang="en-US" altLang="zh-CN" sz="2000" dirty="0"/>
+              <a:t>Aim: learned user representation based on historical actions</a:t>
+            </a:r>
+          </a:p>
+          <a:p>
+            <a:r>
+              <a:rPr lang="en-US" altLang="zh-CN" dirty="0"/>
+              <a:t>Window based model training objective</a:t>
+            </a:r>
+          </a:p>
+          <a:p>
+            <a:pPr lvl="1"/>
+            <a:r>
+              <a:rPr lang="en-US" altLang="zh-CN" sz="2100" dirty="0"/>
+              <a:t>Start with all action </a:t>
+            </a:r>
+          </a:p>
+          <a:p>
+            <a:pPr lvl="1"/>
+            <a:r>
+              <a:rPr lang="en-US" altLang="zh-CN" sz="2100" dirty="0"/>
+              <a:t>Expanded to dense all action (improve the signal)</a:t>
+            </a:r>
+          </a:p>
+          <a:p>
+            <a:pPr lvl="1"/>
+            <a:endParaRPr lang="en-US" altLang="zh-CN" sz="2100" dirty="0"/>
+          </a:p>
+          <a:p>
+            <a:pPr lvl="1"/>
+            <a:endParaRPr lang="en-US" altLang="zh-CN" sz="2100" dirty="0"/>
+          </a:p>
+          <a:p>
+            <a:pPr lvl="1"/>
+            <a:endParaRPr lang="en-US" altLang="zh-CN" sz="2100" dirty="0"/>
+          </a:p>
+          <a:p>
+            <a:pPr lvl="1"/>
+            <a:endParaRPr lang="en-US" altLang="zh-CN" sz="2100" dirty="0"/>
+          </a:p>
+          <a:p>
+            <a:pPr lvl="1"/>
+            <a:endParaRPr lang="en-US" altLang="zh-CN" sz="2100" dirty="0"/>
+          </a:p>
+          <a:p>
+            <a:r>
+              <a:rPr lang="en-US" altLang="zh-CN" sz="2500" dirty="0"/>
+              <a:t>Resource access</a:t>
+            </a:r>
+          </a:p>
+          <a:p>
+            <a:pPr lvl="1"/>
+            <a:r>
+              <a:rPr lang="en-US" altLang="zh-CN" sz="2100" dirty="0"/>
+              <a:t>Tested Eddie High performance computing usage with </a:t>
+            </a:r>
+            <a:r>
+              <a:rPr lang="en-US" altLang="zh-CN" sz="2100" dirty="0" err="1"/>
+              <a:t>Pytorch</a:t>
+            </a:r>
+            <a:r>
+              <a:rPr lang="en-US" altLang="zh-CN" sz="2100" dirty="0"/>
+              <a:t> (GPU). (Potentially need)</a:t>
+            </a:r>
+          </a:p>
+          <a:p>
+            <a:pPr lvl="1"/>
+            <a:endParaRPr lang="en-US" altLang="zh-CN" sz="2000" dirty="0"/>
+          </a:p>
+          <a:p>
+            <a:pPr marL="457200" lvl="1" indent="0">
+              <a:buNone/>
+            </a:pPr>
+            <a:endParaRPr lang="en-US" altLang="zh-CN" sz="2000" dirty="0"/>
+          </a:p>
+          <a:p>
+            <a:pPr marL="457200" lvl="1" indent="0">
+              <a:buNone/>
+            </a:pPr>
+            <a:endParaRPr lang="en-US" altLang="zh-CN" sz="2000" dirty="0"/>
+          </a:p>
+          <a:p>
+            <a:pPr marL="457200" lvl="1" indent="0">
+              <a:buNone/>
+            </a:pPr>
+            <a:endParaRPr lang="en-US" altLang="zh-CN" sz="2000" dirty="0"/>
+          </a:p>
+          <a:p>
+            <a:endParaRPr lang="en-US" altLang="zh-CN" dirty="0"/>
+          </a:p>
+        </p:txBody>
+      </p:sp>
       <p:pic>
         <p:nvPicPr>
-          <p:cNvPr id="5" name="图片 4">
-            <a:extLst>
-              <a:ext uri="{FF2B5EF4-FFF2-40B4-BE49-F238E27FC236}">
-                <a16:creationId xmlns:a16="http://schemas.microsoft.com/office/drawing/2014/main" id="{C61E5883-8B7C-5244-1F6D-F6E84ED815C2}"/>
+          <p:cNvPr id="7" name="图片 6">
+            <a:extLst>
+              <a:ext uri="{FF2B5EF4-FFF2-40B4-BE49-F238E27FC236}">
+                <a16:creationId xmlns:a16="http://schemas.microsoft.com/office/drawing/2014/main" id="{F60AA288-0C93-B22B-454E-55556043CBE7}"/>
               </a:ext>
             </a:extLst>
           </p:cNvPr>
@@ -4488,8 +4735,8 @@
         </p:blipFill>
         <p:spPr>
           <a:xfrm>
-            <a:off x="720132" y="0"/>
-            <a:ext cx="10421535" cy="6858000"/>
+            <a:off x="745005" y="3864607"/>
+            <a:ext cx="5465295" cy="1787017"/>
           </a:xfrm>
           <a:prstGeom prst="rect">
             <a:avLst/>
@@ -4499,7 +4746,7 @@
     </p:spTree>
     <p:extLst>
       <p:ext uri="{BB962C8B-B14F-4D97-AF65-F5344CB8AC3E}">
-        <p14:creationId xmlns:p14="http://schemas.microsoft.com/office/powerpoint/2010/main" val="2797272713"/>
+        <p14:creationId xmlns:p14="http://schemas.microsoft.com/office/powerpoint/2010/main" val="333093110"/>
       </p:ext>
     </p:extLst>
   </p:cSld>
@@ -4527,6 +4774,67 @@
           <a:chExt cx="0" cy="0"/>
         </a:xfrm>
       </p:grpSpPr>
+      <p:pic>
+        <p:nvPicPr>
+          <p:cNvPr id="5" name="图片 4">
+            <a:extLst>
+              <a:ext uri="{FF2B5EF4-FFF2-40B4-BE49-F238E27FC236}">
+                <a16:creationId xmlns:a16="http://schemas.microsoft.com/office/drawing/2014/main" id="{C61E5883-8B7C-5244-1F6D-F6E84ED815C2}"/>
+              </a:ext>
+            </a:extLst>
+          </p:cNvPr>
+          <p:cNvPicPr>
+            <a:picLocks noChangeAspect="1"/>
+          </p:cNvPicPr>
+          <p:nvPr/>
+        </p:nvPicPr>
+        <p:blipFill>
+          <a:blip r:embed="rId2"/>
+          <a:stretch>
+            <a:fillRect/>
+          </a:stretch>
+        </p:blipFill>
+        <p:spPr>
+          <a:xfrm>
+            <a:off x="288332" y="0"/>
+            <a:ext cx="10421535" cy="6858000"/>
+          </a:xfrm>
+          <a:prstGeom prst="rect">
+            <a:avLst/>
+          </a:prstGeom>
+        </p:spPr>
+      </p:pic>
+    </p:spTree>
+    <p:extLst>
+      <p:ext uri="{BB962C8B-B14F-4D97-AF65-F5344CB8AC3E}">
+        <p14:creationId xmlns:p14="http://schemas.microsoft.com/office/powerpoint/2010/main" val="2797272713"/>
+      </p:ext>
+    </p:extLst>
+  </p:cSld>
+  <p:clrMapOvr>
+    <a:masterClrMapping/>
+  </p:clrMapOvr>
+  <p:transition spd="med"/>
+</p:sld>
+</file>
+
+<file path=ppt/slides/slide5.xml><?xml version="1.0" encoding="utf-8"?>
+<p:sld xmlns:a="http://schemas.openxmlformats.org/drawingml/2006/main" xmlns:r="http://schemas.openxmlformats.org/officeDocument/2006/relationships" xmlns:p="http://schemas.openxmlformats.org/presentationml/2006/main">
+  <p:cSld>
+    <p:spTree>
+      <p:nvGrpSpPr>
+        <p:cNvPr id="1" name=""/>
+        <p:cNvGrpSpPr/>
+        <p:nvPr/>
+      </p:nvGrpSpPr>
+      <p:grpSpPr>
+        <a:xfrm>
+          <a:off x="0" y="0"/>
+          <a:ext cx="0" cy="0"/>
+          <a:chOff x="0" y="0"/>
+          <a:chExt cx="0" cy="0"/>
+        </a:xfrm>
+      </p:grpSpPr>
       <p:sp>
         <p:nvSpPr>
           <p:cNvPr id="2" name="标题 1">
@@ -4543,14 +4851,19 @@
             <p:ph type="title"/>
           </p:nvPr>
         </p:nvSpPr>
-        <p:spPr/>
+        <p:spPr>
+          <a:xfrm>
+            <a:off x="239332" y="94668"/>
+            <a:ext cx="10515600" cy="1325563"/>
+          </a:xfrm>
+        </p:spPr>
         <p:txBody>
           <a:bodyPr/>
           <a:lstStyle/>
           <a:p>
             <a:r>
               <a:rPr lang="en-US" altLang="zh-CN" dirty="0"/>
-              <a:t>Future steps (This week)</a:t>
+              <a:t>Future steps (This week</a:t>
             </a:r>
             <a:endParaRPr lang="zh-CN" altLang="en-US" dirty="0"/>
           </a:p>
@@ -4572,7 +4885,12 @@
             <p:ph type="body" idx="1"/>
           </p:nvPr>
         </p:nvSpPr>
-        <p:spPr/>
+        <p:spPr>
+          <a:xfrm>
+            <a:off x="355600" y="1240630"/>
+            <a:ext cx="10515600" cy="5012241"/>
+          </a:xfrm>
+        </p:spPr>
         <p:txBody>
           <a:bodyPr>
             <a:normAutofit/>
@@ -4581,6 +4899,18 @@
           <a:p>
             <a:r>
               <a:rPr lang="en-US" altLang="zh-CN" dirty="0"/>
+              <a:t>Finding other potential datasets</a:t>
+            </a:r>
+          </a:p>
+          <a:p>
+            <a:pPr marL="0" indent="0">
+              <a:buNone/>
+            </a:pPr>
+            <a:endParaRPr lang="en-US" altLang="zh-CN" dirty="0"/>
+          </a:p>
+          <a:p>
+            <a:r>
+              <a:rPr lang="en-US" altLang="zh-CN" dirty="0"/>
               <a:t>Dataset split in the current dataset:</a:t>
             </a:r>
           </a:p>
@@ -4595,35 +4925,30 @@
             <a:pPr lvl="1"/>
             <a:r>
               <a:rPr lang="en-US" altLang="zh-CN" dirty="0"/>
-              <a:t>Window size is different for each kind of dataset.</a:t>
+              <a:t>Window size is very different for each kind of dataset. (Hard to create dataset using the same window size)</a:t>
             </a:r>
           </a:p>
           <a:p>
             <a:pPr lvl="1"/>
             <a:r>
               <a:rPr lang="en-US" altLang="zh-CN" dirty="0"/>
-              <a:t>(Hard to create dataset using the same window size)</a:t>
-            </a:r>
-          </a:p>
-          <a:p>
-            <a:pPr marL="457200" lvl="1" indent="0">
-              <a:buNone/>
-            </a:pPr>
+              <a:t>Find the suitable window size for each dataset.</a:t>
+            </a:r>
+          </a:p>
+          <a:p>
+            <a:pPr lvl="1"/>
+            <a:r>
+              <a:rPr lang="en-US" altLang="zh-CN" dirty="0"/>
+              <a:t>Find features from each dataset (users, items, actions; sparsity).</a:t>
+            </a:r>
+          </a:p>
+          <a:p>
             <a:endParaRPr lang="en-US" altLang="zh-CN" dirty="0"/>
           </a:p>
           <a:p>
             <a:r>
               <a:rPr lang="en-US" altLang="zh-CN" dirty="0"/>
-              <a:t>Finding other potential datasets</a:t>
-            </a:r>
-          </a:p>
-          <a:p>
-            <a:endParaRPr lang="en-US" altLang="zh-CN" dirty="0"/>
-          </a:p>
-          <a:p>
-            <a:r>
-              <a:rPr lang="en-US" altLang="zh-CN" dirty="0"/>
-              <a:t>Create an easy model, which can process the window to make sure the processed data can be used (Potentially)</a:t>
+              <a:t>Create an easy model, which can process the window data to make sure the processed data can be used (Potentially)</a:t>
             </a:r>
           </a:p>
           <a:p>

--- a/week1/Dissertation_1.pptx
+++ b/week1/Dissertation_1.pptx
@@ -201,7 +201,7 @@
           <a:p>
             <a:fld id="{5551B73A-00A5-41F0-AD1E-E8BC06CD57C4}" type="datetimeFigureOut">
               <a:rPr lang="zh-CN" altLang="en-US" smtClean="0"/>
-              <a:t>2023/6/5</a:t>
+              <a:t>2023/6/6</a:t>
             </a:fld>
             <a:endParaRPr lang="zh-CN" altLang="en-US"/>
           </a:p>
@@ -615,7 +615,7 @@
           <a:p>
             <a:fld id="{2737B94B-463C-4A10-B31F-5D6631A642E2}" type="datetimeFigureOut">
               <a:rPr lang="zh-CN" altLang="en-US" smtClean="0"/>
-              <a:t>2023/6/5</a:t>
+              <a:t>2023/6/6</a:t>
             </a:fld>
             <a:endParaRPr lang="zh-CN" altLang="en-US"/>
           </a:p>
@@ -813,7 +813,7 @@
           <a:p>
             <a:fld id="{2737B94B-463C-4A10-B31F-5D6631A642E2}" type="datetimeFigureOut">
               <a:rPr lang="zh-CN" altLang="en-US" smtClean="0"/>
-              <a:t>2023/6/5</a:t>
+              <a:t>2023/6/6</a:t>
             </a:fld>
             <a:endParaRPr lang="zh-CN" altLang="en-US"/>
           </a:p>
@@ -1021,7 +1021,7 @@
           <a:p>
             <a:fld id="{2737B94B-463C-4A10-B31F-5D6631A642E2}" type="datetimeFigureOut">
               <a:rPr lang="zh-CN" altLang="en-US" smtClean="0"/>
-              <a:t>2023/6/5</a:t>
+              <a:t>2023/6/6</a:t>
             </a:fld>
             <a:endParaRPr lang="zh-CN" altLang="en-US"/>
           </a:p>
@@ -1615,7 +1615,7 @@
           <a:p>
             <a:fld id="{2737B94B-463C-4A10-B31F-5D6631A642E2}" type="datetimeFigureOut">
               <a:rPr lang="zh-CN" altLang="en-US" smtClean="0"/>
-              <a:t>2023/6/5</a:t>
+              <a:t>2023/6/6</a:t>
             </a:fld>
             <a:endParaRPr lang="zh-CN" altLang="en-US"/>
           </a:p>
@@ -1890,7 +1890,7 @@
           <a:p>
             <a:fld id="{2737B94B-463C-4A10-B31F-5D6631A642E2}" type="datetimeFigureOut">
               <a:rPr lang="zh-CN" altLang="en-US" smtClean="0"/>
-              <a:t>2023/6/5</a:t>
+              <a:t>2023/6/6</a:t>
             </a:fld>
             <a:endParaRPr lang="zh-CN" altLang="en-US"/>
           </a:p>
@@ -2155,7 +2155,7 @@
           <a:p>
             <a:fld id="{2737B94B-463C-4A10-B31F-5D6631A642E2}" type="datetimeFigureOut">
               <a:rPr lang="zh-CN" altLang="en-US" smtClean="0"/>
-              <a:t>2023/6/5</a:t>
+              <a:t>2023/6/6</a:t>
             </a:fld>
             <a:endParaRPr lang="zh-CN" altLang="en-US"/>
           </a:p>
@@ -2567,7 +2567,7 @@
           <a:p>
             <a:fld id="{2737B94B-463C-4A10-B31F-5D6631A642E2}" type="datetimeFigureOut">
               <a:rPr lang="zh-CN" altLang="en-US" smtClean="0"/>
-              <a:t>2023/6/5</a:t>
+              <a:t>2023/6/6</a:t>
             </a:fld>
             <a:endParaRPr lang="zh-CN" altLang="en-US"/>
           </a:p>
@@ -2708,7 +2708,7 @@
           <a:p>
             <a:fld id="{2737B94B-463C-4A10-B31F-5D6631A642E2}" type="datetimeFigureOut">
               <a:rPr lang="zh-CN" altLang="en-US" smtClean="0"/>
-              <a:t>2023/6/5</a:t>
+              <a:t>2023/6/6</a:t>
             </a:fld>
             <a:endParaRPr lang="zh-CN" altLang="en-US"/>
           </a:p>
@@ -2821,7 +2821,7 @@
           <a:p>
             <a:fld id="{2737B94B-463C-4A10-B31F-5D6631A642E2}" type="datetimeFigureOut">
               <a:rPr lang="zh-CN" altLang="en-US" smtClean="0"/>
-              <a:t>2023/6/5</a:t>
+              <a:t>2023/6/6</a:t>
             </a:fld>
             <a:endParaRPr lang="zh-CN" altLang="en-US"/>
           </a:p>
@@ -3132,7 +3132,7 @@
           <a:p>
             <a:fld id="{2737B94B-463C-4A10-B31F-5D6631A642E2}" type="datetimeFigureOut">
               <a:rPr lang="zh-CN" altLang="en-US" smtClean="0"/>
-              <a:t>2023/6/5</a:t>
+              <a:t>2023/6/6</a:t>
             </a:fld>
             <a:endParaRPr lang="zh-CN" altLang="en-US"/>
           </a:p>
@@ -3420,7 +3420,7 @@
           <a:p>
             <a:fld id="{2737B94B-463C-4A10-B31F-5D6631A642E2}" type="datetimeFigureOut">
               <a:rPr lang="zh-CN" altLang="en-US" smtClean="0"/>
-              <a:t>2023/6/5</a:t>
+              <a:t>2023/6/6</a:t>
             </a:fld>
             <a:endParaRPr lang="zh-CN" altLang="en-US"/>
           </a:p>
@@ -3661,7 +3661,7 @@
           <a:p>
             <a:fld id="{2737B94B-463C-4A10-B31F-5D6631A642E2}" type="datetimeFigureOut">
               <a:rPr lang="zh-CN" altLang="en-US" smtClean="0"/>
-              <a:t>2023/6/5</a:t>
+              <a:t>2023/6/6</a:t>
             </a:fld>
             <a:endParaRPr lang="zh-CN" altLang="en-US"/>
           </a:p>
@@ -4251,7 +4251,7 @@
         </p:spPr>
         <p:txBody>
           <a:bodyPr>
-            <a:normAutofit fontScale="92500" lnSpcReduction="10000"/>
+            <a:normAutofit fontScale="92500" lnSpcReduction="20000"/>
           </a:bodyPr>
           <a:lstStyle/>
           <a:p>
@@ -4474,7 +4474,14 @@
               <a:rPr lang="en-US" altLang="zh-CN" sz="2000" dirty="0"/>
               <a:t>(diversity of interest)</a:t>
             </a:r>
-            <a:endParaRPr lang="en-US" altLang="zh-CN" dirty="0"/>
+          </a:p>
+          <a:p>
+            <a:pPr lvl="1"/>
+            <a:r>
+              <a:rPr lang="en-GB" altLang="zh-CN" sz="2100" dirty="0"/>
+              <a:t>How well each can predict all future purchases over the next k days</a:t>
+            </a:r>
+            <a:endParaRPr lang="en-US" altLang="zh-CN" sz="2100" dirty="0"/>
           </a:p>
           <a:p>
             <a:endParaRPr lang="en-US" altLang="zh-CN" dirty="0"/>
@@ -4863,7 +4870,7 @@
           <a:p>
             <a:r>
               <a:rPr lang="en-US" altLang="zh-CN" dirty="0"/>
-              <a:t>Future steps (This week</a:t>
+              <a:t>Future steps (This week)</a:t>
             </a:r>
             <a:endParaRPr lang="zh-CN" altLang="en-US" dirty="0"/>
           </a:p>
